--- a/.docs/wireframes.pptx
+++ b/.docs/wireframes.pptx
@@ -278,7 +278,7 @@
           <a:p>
             <a:fld id="{8E36D5A6-EACE-4FB8-A02E-811BB4E6D943}" type="datetimeFigureOut">
               <a:rPr lang="en-US" smtClean="0"/>
-              <a:t>1/1/2019</a:t>
+              <a:t>1/2/2019</a:t>
             </a:fld>
             <a:endParaRPr lang="en-US"/>
           </a:p>
@@ -476,7 +476,7 @@
           <a:p>
             <a:fld id="{8E36D5A6-EACE-4FB8-A02E-811BB4E6D943}" type="datetimeFigureOut">
               <a:rPr lang="en-US" smtClean="0"/>
-              <a:t>1/1/2019</a:t>
+              <a:t>1/2/2019</a:t>
             </a:fld>
             <a:endParaRPr lang="en-US"/>
           </a:p>
@@ -684,7 +684,7 @@
           <a:p>
             <a:fld id="{8E36D5A6-EACE-4FB8-A02E-811BB4E6D943}" type="datetimeFigureOut">
               <a:rPr lang="en-US" smtClean="0"/>
-              <a:t>1/1/2019</a:t>
+              <a:t>1/2/2019</a:t>
             </a:fld>
             <a:endParaRPr lang="en-US"/>
           </a:p>
@@ -882,7 +882,7 @@
           <a:p>
             <a:fld id="{8E36D5A6-EACE-4FB8-A02E-811BB4E6D943}" type="datetimeFigureOut">
               <a:rPr lang="en-US" smtClean="0"/>
-              <a:t>1/1/2019</a:t>
+              <a:t>1/2/2019</a:t>
             </a:fld>
             <a:endParaRPr lang="en-US"/>
           </a:p>
@@ -1157,7 +1157,7 @@
           <a:p>
             <a:fld id="{8E36D5A6-EACE-4FB8-A02E-811BB4E6D943}" type="datetimeFigureOut">
               <a:rPr lang="en-US" smtClean="0"/>
-              <a:t>1/1/2019</a:t>
+              <a:t>1/2/2019</a:t>
             </a:fld>
             <a:endParaRPr lang="en-US"/>
           </a:p>
@@ -1422,7 +1422,7 @@
           <a:p>
             <a:fld id="{8E36D5A6-EACE-4FB8-A02E-811BB4E6D943}" type="datetimeFigureOut">
               <a:rPr lang="en-US" smtClean="0"/>
-              <a:t>1/1/2019</a:t>
+              <a:t>1/2/2019</a:t>
             </a:fld>
             <a:endParaRPr lang="en-US"/>
           </a:p>
@@ -1834,7 +1834,7 @@
           <a:p>
             <a:fld id="{8E36D5A6-EACE-4FB8-A02E-811BB4E6D943}" type="datetimeFigureOut">
               <a:rPr lang="en-US" smtClean="0"/>
-              <a:t>1/1/2019</a:t>
+              <a:t>1/2/2019</a:t>
             </a:fld>
             <a:endParaRPr lang="en-US"/>
           </a:p>
@@ -1975,7 +1975,7 @@
           <a:p>
             <a:fld id="{8E36D5A6-EACE-4FB8-A02E-811BB4E6D943}" type="datetimeFigureOut">
               <a:rPr lang="en-US" smtClean="0"/>
-              <a:t>1/1/2019</a:t>
+              <a:t>1/2/2019</a:t>
             </a:fld>
             <a:endParaRPr lang="en-US"/>
           </a:p>
@@ -2088,7 +2088,7 @@
           <a:p>
             <a:fld id="{8E36D5A6-EACE-4FB8-A02E-811BB4E6D943}" type="datetimeFigureOut">
               <a:rPr lang="en-US" smtClean="0"/>
-              <a:t>1/1/2019</a:t>
+              <a:t>1/2/2019</a:t>
             </a:fld>
             <a:endParaRPr lang="en-US"/>
           </a:p>
@@ -2399,7 +2399,7 @@
           <a:p>
             <a:fld id="{8E36D5A6-EACE-4FB8-A02E-811BB4E6D943}" type="datetimeFigureOut">
               <a:rPr lang="en-US" smtClean="0"/>
-              <a:t>1/1/2019</a:t>
+              <a:t>1/2/2019</a:t>
             </a:fld>
             <a:endParaRPr lang="en-US"/>
           </a:p>
@@ -2687,7 +2687,7 @@
           <a:p>
             <a:fld id="{8E36D5A6-EACE-4FB8-A02E-811BB4E6D943}" type="datetimeFigureOut">
               <a:rPr lang="en-US" smtClean="0"/>
-              <a:t>1/1/2019</a:t>
+              <a:t>1/2/2019</a:t>
             </a:fld>
             <a:endParaRPr lang="en-US"/>
           </a:p>
@@ -2928,7 +2928,7 @@
           <a:p>
             <a:fld id="{8E36D5A6-EACE-4FB8-A02E-811BB4E6D943}" type="datetimeFigureOut">
               <a:rPr lang="en-US" smtClean="0"/>
-              <a:t>1/1/2019</a:t>
+              <a:t>1/2/2019</a:t>
             </a:fld>
             <a:endParaRPr lang="en-US"/>
           </a:p>
@@ -37118,7 +37118,7 @@
           <a:p>
             <a:r>
               <a:rPr lang="en-US" sz="1600" b="1" dirty="0"/>
-              <a:t>HECTRE</a:t>
+              <a:t>Pair</a:t>
             </a:r>
             <a:endParaRPr lang="en-US" b="1" dirty="0"/>
           </a:p>

--- a/.docs/wireframes.pptx
+++ b/.docs/wireframes.pptx
@@ -278,7 +278,7 @@
           <a:p>
             <a:fld id="{8E36D5A6-EACE-4FB8-A02E-811BB4E6D943}" type="datetimeFigureOut">
               <a:rPr lang="en-US" smtClean="0"/>
-              <a:t>1/2/2019</a:t>
+              <a:t>1/3/2019</a:t>
             </a:fld>
             <a:endParaRPr lang="en-US"/>
           </a:p>
@@ -476,7 +476,7 @@
           <a:p>
             <a:fld id="{8E36D5A6-EACE-4FB8-A02E-811BB4E6D943}" type="datetimeFigureOut">
               <a:rPr lang="en-US" smtClean="0"/>
-              <a:t>1/2/2019</a:t>
+              <a:t>1/3/2019</a:t>
             </a:fld>
             <a:endParaRPr lang="en-US"/>
           </a:p>
@@ -684,7 +684,7 @@
           <a:p>
             <a:fld id="{8E36D5A6-EACE-4FB8-A02E-811BB4E6D943}" type="datetimeFigureOut">
               <a:rPr lang="en-US" smtClean="0"/>
-              <a:t>1/2/2019</a:t>
+              <a:t>1/3/2019</a:t>
             </a:fld>
             <a:endParaRPr lang="en-US"/>
           </a:p>
@@ -882,7 +882,7 @@
           <a:p>
             <a:fld id="{8E36D5A6-EACE-4FB8-A02E-811BB4E6D943}" type="datetimeFigureOut">
               <a:rPr lang="en-US" smtClean="0"/>
-              <a:t>1/2/2019</a:t>
+              <a:t>1/3/2019</a:t>
             </a:fld>
             <a:endParaRPr lang="en-US"/>
           </a:p>
@@ -1157,7 +1157,7 @@
           <a:p>
             <a:fld id="{8E36D5A6-EACE-4FB8-A02E-811BB4E6D943}" type="datetimeFigureOut">
               <a:rPr lang="en-US" smtClean="0"/>
-              <a:t>1/2/2019</a:t>
+              <a:t>1/3/2019</a:t>
             </a:fld>
             <a:endParaRPr lang="en-US"/>
           </a:p>
@@ -1422,7 +1422,7 @@
           <a:p>
             <a:fld id="{8E36D5A6-EACE-4FB8-A02E-811BB4E6D943}" type="datetimeFigureOut">
               <a:rPr lang="en-US" smtClean="0"/>
-              <a:t>1/2/2019</a:t>
+              <a:t>1/3/2019</a:t>
             </a:fld>
             <a:endParaRPr lang="en-US"/>
           </a:p>
@@ -1834,7 +1834,7 @@
           <a:p>
             <a:fld id="{8E36D5A6-EACE-4FB8-A02E-811BB4E6D943}" type="datetimeFigureOut">
               <a:rPr lang="en-US" smtClean="0"/>
-              <a:t>1/2/2019</a:t>
+              <a:t>1/3/2019</a:t>
             </a:fld>
             <a:endParaRPr lang="en-US"/>
           </a:p>
@@ -1975,7 +1975,7 @@
           <a:p>
             <a:fld id="{8E36D5A6-EACE-4FB8-A02E-811BB4E6D943}" type="datetimeFigureOut">
               <a:rPr lang="en-US" smtClean="0"/>
-              <a:t>1/2/2019</a:t>
+              <a:t>1/3/2019</a:t>
             </a:fld>
             <a:endParaRPr lang="en-US"/>
           </a:p>
@@ -2088,7 +2088,7 @@
           <a:p>
             <a:fld id="{8E36D5A6-EACE-4FB8-A02E-811BB4E6D943}" type="datetimeFigureOut">
               <a:rPr lang="en-US" smtClean="0"/>
-              <a:t>1/2/2019</a:t>
+              <a:t>1/3/2019</a:t>
             </a:fld>
             <a:endParaRPr lang="en-US"/>
           </a:p>
@@ -2399,7 +2399,7 @@
           <a:p>
             <a:fld id="{8E36D5A6-EACE-4FB8-A02E-811BB4E6D943}" type="datetimeFigureOut">
               <a:rPr lang="en-US" smtClean="0"/>
-              <a:t>1/2/2019</a:t>
+              <a:t>1/3/2019</a:t>
             </a:fld>
             <a:endParaRPr lang="en-US"/>
           </a:p>
@@ -2687,7 +2687,7 @@
           <a:p>
             <a:fld id="{8E36D5A6-EACE-4FB8-A02E-811BB4E6D943}" type="datetimeFigureOut">
               <a:rPr lang="en-US" smtClean="0"/>
-              <a:t>1/2/2019</a:t>
+              <a:t>1/3/2019</a:t>
             </a:fld>
             <a:endParaRPr lang="en-US"/>
           </a:p>
@@ -2928,7 +2928,7 @@
           <a:p>
             <a:fld id="{8E36D5A6-EACE-4FB8-A02E-811BB4E6D943}" type="datetimeFigureOut">
               <a:rPr lang="en-US" smtClean="0"/>
-              <a:t>1/2/2019</a:t>
+              <a:t>1/3/2019</a:t>
             </a:fld>
             <a:endParaRPr lang="en-US"/>
           </a:p>
@@ -41563,7 +41563,7 @@
         <p:spPr>
           <a:xfrm>
             <a:off x="9662160" y="533400"/>
-            <a:ext cx="2453640" cy="2677656"/>
+            <a:ext cx="2453640" cy="3754874"/>
           </a:xfrm>
           <a:prstGeom prst="rect">
             <a:avLst/>
@@ -41615,6 +41615,36 @@
             <a:r>
               <a:rPr lang="en-US" sz="1400" dirty="0"/>
               <a:t>Jobs</a:t>
+            </a:r>
+          </a:p>
+          <a:p>
+            <a:r>
+              <a:rPr lang="en-US" sz="1400" dirty="0"/>
+              <a:t>Dash</a:t>
+            </a:r>
+          </a:p>
+          <a:p>
+            <a:r>
+              <a:rPr lang="en-US" sz="1400" dirty="0"/>
+              <a:t>   Bespoke Profiles</a:t>
+            </a:r>
+          </a:p>
+          <a:p>
+            <a:r>
+              <a:rPr lang="en-US" sz="1400" dirty="0"/>
+              <a:t>   My applications</a:t>
+            </a:r>
+          </a:p>
+          <a:p>
+            <a:r>
+              <a:rPr lang="en-US" sz="1400" dirty="0"/>
+              <a:t>   </a:t>
+            </a:r>
+          </a:p>
+          <a:p>
+            <a:r>
+              <a:rPr lang="en-US" sz="1400" dirty="0"/>
+              <a:t>   </a:t>
             </a:r>
           </a:p>
           <a:p>

--- a/.docs/wireframes.pptx
+++ b/.docs/wireframes.pptx
@@ -15,6 +15,7 @@
     <p:sldId id="264" r:id="rId9"/>
     <p:sldId id="265" r:id="rId10"/>
     <p:sldId id="266" r:id="rId11"/>
+    <p:sldId id="268" r:id="rId12"/>
   </p:sldIdLst>
   <p:sldSz cx="12192000" cy="6858000"/>
   <p:notesSz cx="6858000" cy="9144000"/>
@@ -279,7 +280,7 @@
           <a:p>
             <a:fld id="{8E36D5A6-EACE-4FB8-A02E-811BB4E6D943}" type="datetimeFigureOut">
               <a:rPr lang="en-US" smtClean="0"/>
-              <a:t>1/4/2019</a:t>
+              <a:t>2/19/2019</a:t>
             </a:fld>
             <a:endParaRPr lang="en-US"/>
           </a:p>
@@ -477,7 +478,7 @@
           <a:p>
             <a:fld id="{8E36D5A6-EACE-4FB8-A02E-811BB4E6D943}" type="datetimeFigureOut">
               <a:rPr lang="en-US" smtClean="0"/>
-              <a:t>1/4/2019</a:t>
+              <a:t>2/19/2019</a:t>
             </a:fld>
             <a:endParaRPr lang="en-US"/>
           </a:p>
@@ -685,7 +686,7 @@
           <a:p>
             <a:fld id="{8E36D5A6-EACE-4FB8-A02E-811BB4E6D943}" type="datetimeFigureOut">
               <a:rPr lang="en-US" smtClean="0"/>
-              <a:t>1/4/2019</a:t>
+              <a:t>2/19/2019</a:t>
             </a:fld>
             <a:endParaRPr lang="en-US"/>
           </a:p>
@@ -883,7 +884,7 @@
           <a:p>
             <a:fld id="{8E36D5A6-EACE-4FB8-A02E-811BB4E6D943}" type="datetimeFigureOut">
               <a:rPr lang="en-US" smtClean="0"/>
-              <a:t>1/4/2019</a:t>
+              <a:t>2/19/2019</a:t>
             </a:fld>
             <a:endParaRPr lang="en-US"/>
           </a:p>
@@ -1158,7 +1159,7 @@
           <a:p>
             <a:fld id="{8E36D5A6-EACE-4FB8-A02E-811BB4E6D943}" type="datetimeFigureOut">
               <a:rPr lang="en-US" smtClean="0"/>
-              <a:t>1/4/2019</a:t>
+              <a:t>2/19/2019</a:t>
             </a:fld>
             <a:endParaRPr lang="en-US"/>
           </a:p>
@@ -1423,7 +1424,7 @@
           <a:p>
             <a:fld id="{8E36D5A6-EACE-4FB8-A02E-811BB4E6D943}" type="datetimeFigureOut">
               <a:rPr lang="en-US" smtClean="0"/>
-              <a:t>1/4/2019</a:t>
+              <a:t>2/19/2019</a:t>
             </a:fld>
             <a:endParaRPr lang="en-US"/>
           </a:p>
@@ -1835,7 +1836,7 @@
           <a:p>
             <a:fld id="{8E36D5A6-EACE-4FB8-A02E-811BB4E6D943}" type="datetimeFigureOut">
               <a:rPr lang="en-US" smtClean="0"/>
-              <a:t>1/4/2019</a:t>
+              <a:t>2/19/2019</a:t>
             </a:fld>
             <a:endParaRPr lang="en-US"/>
           </a:p>
@@ -1976,7 +1977,7 @@
           <a:p>
             <a:fld id="{8E36D5A6-EACE-4FB8-A02E-811BB4E6D943}" type="datetimeFigureOut">
               <a:rPr lang="en-US" smtClean="0"/>
-              <a:t>1/4/2019</a:t>
+              <a:t>2/19/2019</a:t>
             </a:fld>
             <a:endParaRPr lang="en-US"/>
           </a:p>
@@ -2089,7 +2090,7 @@
           <a:p>
             <a:fld id="{8E36D5A6-EACE-4FB8-A02E-811BB4E6D943}" type="datetimeFigureOut">
               <a:rPr lang="en-US" smtClean="0"/>
-              <a:t>1/4/2019</a:t>
+              <a:t>2/19/2019</a:t>
             </a:fld>
             <a:endParaRPr lang="en-US"/>
           </a:p>
@@ -2400,7 +2401,7 @@
           <a:p>
             <a:fld id="{8E36D5A6-EACE-4FB8-A02E-811BB4E6D943}" type="datetimeFigureOut">
               <a:rPr lang="en-US" smtClean="0"/>
-              <a:t>1/4/2019</a:t>
+              <a:t>2/19/2019</a:t>
             </a:fld>
             <a:endParaRPr lang="en-US"/>
           </a:p>
@@ -2688,7 +2689,7 @@
           <a:p>
             <a:fld id="{8E36D5A6-EACE-4FB8-A02E-811BB4E6D943}" type="datetimeFigureOut">
               <a:rPr lang="en-US" smtClean="0"/>
-              <a:t>1/4/2019</a:t>
+              <a:t>2/19/2019</a:t>
             </a:fld>
             <a:endParaRPr lang="en-US"/>
           </a:p>
@@ -2929,7 +2930,7 @@
           <a:p>
             <a:fld id="{8E36D5A6-EACE-4FB8-A02E-811BB4E6D943}" type="datetimeFigureOut">
               <a:rPr lang="en-US" smtClean="0"/>
-              <a:t>1/4/2019</a:t>
+              <a:t>2/19/2019</a:t>
             </a:fld>
             <a:endParaRPr lang="en-US"/>
           </a:p>
@@ -8788,6 +8789,374 @@
 </p:sld>
 </file>
 
+<file path=ppt/slides/slide11.xml><?xml version="1.0" encoding="utf-8"?>
+<p:sld xmlns:a="http://schemas.openxmlformats.org/drawingml/2006/main" xmlns:r="http://schemas.openxmlformats.org/officeDocument/2006/relationships" xmlns:p="http://schemas.openxmlformats.org/presentationml/2006/main">
+  <p:cSld>
+    <p:spTree>
+      <p:nvGrpSpPr>
+        <p:cNvPr id="1" name=""/>
+        <p:cNvGrpSpPr/>
+        <p:nvPr/>
+      </p:nvGrpSpPr>
+      <p:grpSpPr>
+        <a:xfrm>
+          <a:off x="0" y="0"/>
+          <a:ext cx="0" cy="0"/>
+          <a:chOff x="0" y="0"/>
+          <a:chExt cx="0" cy="0"/>
+        </a:xfrm>
+      </p:grpSpPr>
+      <p:sp>
+        <p:nvSpPr>
+          <p:cNvPr id="4" name="Rectangle 3">
+            <a:extLst>
+              <a:ext uri="{FF2B5EF4-FFF2-40B4-BE49-F238E27FC236}">
+                <a16:creationId xmlns:a16="http://schemas.microsoft.com/office/drawing/2014/main" id="{5A321D98-52DC-4E25-9C7B-AE8D6D859298}"/>
+              </a:ext>
+            </a:extLst>
+          </p:cNvPr>
+          <p:cNvSpPr/>
+          <p:nvPr/>
+        </p:nvSpPr>
+        <p:spPr>
+          <a:xfrm>
+            <a:off x="756389" y="2969686"/>
+            <a:ext cx="1922161" cy="1099528"/>
+          </a:xfrm>
+          <a:prstGeom prst="rect">
+            <a:avLst/>
+          </a:prstGeom>
+          <a:solidFill>
+            <a:schemeClr val="bg1"/>
+          </a:solidFill>
+          <a:ln>
+            <a:solidFill>
+              <a:schemeClr val="bg1">
+                <a:lumMod val="65000"/>
+              </a:schemeClr>
+            </a:solidFill>
+          </a:ln>
+          <a:effectLst>
+            <a:outerShdw dist="25400" dir="2700000" algn="tl" rotWithShape="0">
+              <a:prstClr val="black">
+                <a:alpha val="40000"/>
+              </a:prstClr>
+            </a:outerShdw>
+          </a:effectLst>
+        </p:spPr>
+        <p:style>
+          <a:lnRef idx="2">
+            <a:schemeClr val="accent1">
+              <a:shade val="50000"/>
+            </a:schemeClr>
+          </a:lnRef>
+          <a:fillRef idx="1">
+            <a:schemeClr val="accent1"/>
+          </a:fillRef>
+          <a:effectRef idx="0">
+            <a:schemeClr val="accent1"/>
+          </a:effectRef>
+          <a:fontRef idx="minor">
+            <a:schemeClr val="lt1"/>
+          </a:fontRef>
+        </p:style>
+        <p:txBody>
+          <a:bodyPr rtlCol="0" anchor="ctr" anchorCtr="0"/>
+          <a:lstStyle/>
+          <a:p>
+            <a:pPr algn="ctr"/>
+            <a:endParaRPr lang="en-US" sz="1600" dirty="0">
+              <a:solidFill>
+                <a:schemeClr val="bg1">
+                  <a:lumMod val="65000"/>
+                </a:schemeClr>
+              </a:solidFill>
+              <a:latin typeface="Arial" panose="020B0604020202020204" pitchFamily="34" charset="0"/>
+              <a:cs typeface="Arial" panose="020B0604020202020204" pitchFamily="34" charset="0"/>
+            </a:endParaRPr>
+          </a:p>
+          <a:p>
+            <a:pPr algn="ctr"/>
+            <a:endParaRPr lang="en-US" sz="1600" dirty="0">
+              <a:solidFill>
+                <a:schemeClr val="bg1">
+                  <a:lumMod val="65000"/>
+                </a:schemeClr>
+              </a:solidFill>
+              <a:latin typeface="Arial" panose="020B0604020202020204" pitchFamily="34" charset="0"/>
+              <a:cs typeface="Arial" panose="020B0604020202020204" pitchFamily="34" charset="0"/>
+            </a:endParaRPr>
+          </a:p>
+          <a:p>
+            <a:pPr algn="ctr"/>
+            <a:endParaRPr lang="en-US" sz="1600" dirty="0">
+              <a:solidFill>
+                <a:schemeClr val="bg1">
+                  <a:lumMod val="65000"/>
+                </a:schemeClr>
+              </a:solidFill>
+              <a:latin typeface="Arial" panose="020B0604020202020204" pitchFamily="34" charset="0"/>
+              <a:cs typeface="Arial" panose="020B0604020202020204" pitchFamily="34" charset="0"/>
+            </a:endParaRPr>
+          </a:p>
+        </p:txBody>
+      </p:sp>
+      <p:sp>
+        <p:nvSpPr>
+          <p:cNvPr id="5" name="Rectangle 4">
+            <a:extLst>
+              <a:ext uri="{FF2B5EF4-FFF2-40B4-BE49-F238E27FC236}">
+                <a16:creationId xmlns:a16="http://schemas.microsoft.com/office/drawing/2014/main" id="{C556BBAE-DBE2-444F-84E3-0E080274E5BC}"/>
+              </a:ext>
+            </a:extLst>
+          </p:cNvPr>
+          <p:cNvSpPr/>
+          <p:nvPr/>
+        </p:nvSpPr>
+        <p:spPr>
+          <a:xfrm>
+            <a:off x="838200" y="3124200"/>
+            <a:ext cx="1219200" cy="152400"/>
+          </a:xfrm>
+          <a:prstGeom prst="rect">
+            <a:avLst/>
+          </a:prstGeom>
+        </p:spPr>
+        <p:style>
+          <a:lnRef idx="2">
+            <a:schemeClr val="accent1">
+              <a:shade val="50000"/>
+            </a:schemeClr>
+          </a:lnRef>
+          <a:fillRef idx="1">
+            <a:schemeClr val="accent1"/>
+          </a:fillRef>
+          <a:effectRef idx="0">
+            <a:schemeClr val="accent1"/>
+          </a:effectRef>
+          <a:fontRef idx="minor">
+            <a:schemeClr val="lt1"/>
+          </a:fontRef>
+        </p:style>
+        <p:txBody>
+          <a:bodyPr rtlCol="0" anchor="ctr"/>
+          <a:lstStyle/>
+          <a:p>
+            <a:pPr algn="ctr"/>
+            <a:endParaRPr lang="en-US"/>
+          </a:p>
+        </p:txBody>
+      </p:sp>
+      <p:sp>
+        <p:nvSpPr>
+          <p:cNvPr id="6" name="Rectangle 5">
+            <a:extLst>
+              <a:ext uri="{FF2B5EF4-FFF2-40B4-BE49-F238E27FC236}">
+                <a16:creationId xmlns:a16="http://schemas.microsoft.com/office/drawing/2014/main" id="{67D42A6A-B8AC-4C32-AF02-1C564F2F7D15}"/>
+              </a:ext>
+            </a:extLst>
+          </p:cNvPr>
+          <p:cNvSpPr/>
+          <p:nvPr/>
+        </p:nvSpPr>
+        <p:spPr>
+          <a:xfrm>
+            <a:off x="838200" y="3398426"/>
+            <a:ext cx="1219200" cy="152400"/>
+          </a:xfrm>
+          <a:prstGeom prst="rect">
+            <a:avLst/>
+          </a:prstGeom>
+        </p:spPr>
+        <p:style>
+          <a:lnRef idx="2">
+            <a:schemeClr val="accent1">
+              <a:shade val="50000"/>
+            </a:schemeClr>
+          </a:lnRef>
+          <a:fillRef idx="1">
+            <a:schemeClr val="accent1"/>
+          </a:fillRef>
+          <a:effectRef idx="0">
+            <a:schemeClr val="accent1"/>
+          </a:effectRef>
+          <a:fontRef idx="minor">
+            <a:schemeClr val="lt1"/>
+          </a:fontRef>
+        </p:style>
+        <p:txBody>
+          <a:bodyPr rtlCol="0" anchor="ctr"/>
+          <a:lstStyle/>
+          <a:p>
+            <a:pPr algn="ctr"/>
+            <a:endParaRPr lang="en-US"/>
+          </a:p>
+        </p:txBody>
+      </p:sp>
+      <p:sp>
+        <p:nvSpPr>
+          <p:cNvPr id="7" name="Rectangle 6">
+            <a:extLst>
+              <a:ext uri="{FF2B5EF4-FFF2-40B4-BE49-F238E27FC236}">
+                <a16:creationId xmlns:a16="http://schemas.microsoft.com/office/drawing/2014/main" id="{185B1C21-26B4-4F5C-A2AD-868BBD119FD6}"/>
+              </a:ext>
+            </a:extLst>
+          </p:cNvPr>
+          <p:cNvSpPr/>
+          <p:nvPr/>
+        </p:nvSpPr>
+        <p:spPr>
+          <a:xfrm>
+            <a:off x="838200" y="3672652"/>
+            <a:ext cx="1219200" cy="152400"/>
+          </a:xfrm>
+          <a:prstGeom prst="rect">
+            <a:avLst/>
+          </a:prstGeom>
+        </p:spPr>
+        <p:style>
+          <a:lnRef idx="2">
+            <a:schemeClr val="accent1">
+              <a:shade val="50000"/>
+            </a:schemeClr>
+          </a:lnRef>
+          <a:fillRef idx="1">
+            <a:schemeClr val="accent1"/>
+          </a:fillRef>
+          <a:effectRef idx="0">
+            <a:schemeClr val="accent1"/>
+          </a:effectRef>
+          <a:fontRef idx="minor">
+            <a:schemeClr val="lt1"/>
+          </a:fontRef>
+        </p:style>
+        <p:txBody>
+          <a:bodyPr rtlCol="0" anchor="ctr"/>
+          <a:lstStyle/>
+          <a:p>
+            <a:pPr algn="ctr"/>
+            <a:endParaRPr lang="en-US"/>
+          </a:p>
+        </p:txBody>
+      </p:sp>
+      <p:sp>
+        <p:nvSpPr>
+          <p:cNvPr id="8" name="TextBox 7">
+            <a:extLst>
+              <a:ext uri="{FF2B5EF4-FFF2-40B4-BE49-F238E27FC236}">
+                <a16:creationId xmlns:a16="http://schemas.microsoft.com/office/drawing/2014/main" id="{FCB2DE25-E242-4B28-A944-FC9E1C228E32}"/>
+              </a:ext>
+            </a:extLst>
+          </p:cNvPr>
+          <p:cNvSpPr txBox="1"/>
+          <p:nvPr/>
+        </p:nvSpPr>
+        <p:spPr>
+          <a:xfrm>
+            <a:off x="702602" y="2913530"/>
+            <a:ext cx="805029" cy="261610"/>
+          </a:xfrm>
+          <a:prstGeom prst="rect">
+            <a:avLst/>
+          </a:prstGeom>
+          <a:noFill/>
+        </p:spPr>
+        <p:txBody>
+          <a:bodyPr wrap="none" rtlCol="0">
+            <a:spAutoFit/>
+          </a:bodyPr>
+          <a:lstStyle/>
+          <a:p>
+            <a:r>
+              <a:rPr lang="en-US" sz="1050" dirty="0"/>
+              <a:t>First Name</a:t>
+            </a:r>
+          </a:p>
+        </p:txBody>
+      </p:sp>
+      <p:sp>
+        <p:nvSpPr>
+          <p:cNvPr id="9" name="TextBox 8">
+            <a:extLst>
+              <a:ext uri="{FF2B5EF4-FFF2-40B4-BE49-F238E27FC236}">
+                <a16:creationId xmlns:a16="http://schemas.microsoft.com/office/drawing/2014/main" id="{CBBBD875-4A16-4F79-91E1-8E8490F63FF8}"/>
+              </a:ext>
+            </a:extLst>
+          </p:cNvPr>
+          <p:cNvSpPr txBox="1"/>
+          <p:nvPr/>
+        </p:nvSpPr>
+        <p:spPr>
+          <a:xfrm>
+            <a:off x="702602" y="3209365"/>
+            <a:ext cx="333746" cy="253916"/>
+          </a:xfrm>
+          <a:prstGeom prst="rect">
+            <a:avLst/>
+          </a:prstGeom>
+          <a:noFill/>
+        </p:spPr>
+        <p:txBody>
+          <a:bodyPr wrap="none" rtlCol="0">
+            <a:spAutoFit/>
+          </a:bodyPr>
+          <a:lstStyle/>
+          <a:p>
+            <a:r>
+              <a:rPr lang="en-US" sz="1050" dirty="0"/>
+              <a:t>MI</a:t>
+            </a:r>
+          </a:p>
+        </p:txBody>
+      </p:sp>
+      <p:sp>
+        <p:nvSpPr>
+          <p:cNvPr id="10" name="TextBox 9">
+            <a:extLst>
+              <a:ext uri="{FF2B5EF4-FFF2-40B4-BE49-F238E27FC236}">
+                <a16:creationId xmlns:a16="http://schemas.microsoft.com/office/drawing/2014/main" id="{A0739F59-1750-4A6D-9F8D-156F240C7446}"/>
+              </a:ext>
+            </a:extLst>
+          </p:cNvPr>
+          <p:cNvSpPr txBox="1"/>
+          <p:nvPr/>
+        </p:nvSpPr>
+        <p:spPr>
+          <a:xfrm>
+            <a:off x="702602" y="3481155"/>
+            <a:ext cx="758541" cy="253916"/>
+          </a:xfrm>
+          <a:prstGeom prst="rect">
+            <a:avLst/>
+          </a:prstGeom>
+          <a:noFill/>
+        </p:spPr>
+        <p:txBody>
+          <a:bodyPr wrap="none" rtlCol="0">
+            <a:spAutoFit/>
+          </a:bodyPr>
+          <a:lstStyle/>
+          <a:p>
+            <a:r>
+              <a:rPr lang="en-US" sz="1050" dirty="0"/>
+              <a:t>Last Name</a:t>
+            </a:r>
+          </a:p>
+        </p:txBody>
+      </p:sp>
+    </p:spTree>
+    <p:extLst>
+      <p:ext uri="{BB962C8B-B14F-4D97-AF65-F5344CB8AC3E}">
+        <p14:creationId xmlns:p14="http://schemas.microsoft.com/office/powerpoint/2010/main" val="3338939678"/>
+      </p:ext>
+    </p:extLst>
+  </p:cSld>
+  <p:clrMapOvr>
+    <a:masterClrMapping/>
+  </p:clrMapOvr>
+</p:sld>
+</file>
+
 <file path=ppt/slides/slide2.xml><?xml version="1.0" encoding="utf-8"?>
 <p:sld xmlns:a="http://schemas.openxmlformats.org/drawingml/2006/main" xmlns:r="http://schemas.openxmlformats.org/officeDocument/2006/relationships" xmlns:p="http://schemas.openxmlformats.org/presentationml/2006/main">
   <p:cSld>
